--- a/images/theory_analysis/Kubernetes_CoreDNS/Kubernetes_CoreDNS.pptx
+++ b/images/theory_analysis/Kubernetes_CoreDNS/Kubernetes_CoreDNS.pptx
@@ -213,7 +213,7 @@
           <a:p>
             <a:fld id="{6CD5550B-26C4-49A9-A5BA-636EF7BE6CE9}" type="datetimeFigureOut">
               <a:rPr lang="ko-KR" altLang="en-US" smtClean="0"/>
-              <a:t>2020-09-23</a:t>
+              <a:t>2020-09-24</a:t>
             </a:fld>
             <a:endParaRPr lang="ko-KR" altLang="en-US"/>
           </a:p>
@@ -659,7 +659,7 @@
           <a:p>
             <a:fld id="{FB30EDBD-1C2D-4C1E-B459-B60219FAB484}" type="datetimeFigureOut">
               <a:rPr lang="ko-KR" altLang="en-US" smtClean="0"/>
-              <a:t>2020-09-23</a:t>
+              <a:t>2020-09-24</a:t>
             </a:fld>
             <a:endParaRPr lang="ko-KR" altLang="en-US"/>
           </a:p>
@@ -822,7 +822,7 @@
           <a:p>
             <a:fld id="{FB30EDBD-1C2D-4C1E-B459-B60219FAB484}" type="datetimeFigureOut">
               <a:rPr lang="ko-KR" altLang="en-US" smtClean="0"/>
-              <a:t>2020-09-23</a:t>
+              <a:t>2020-09-24</a:t>
             </a:fld>
             <a:endParaRPr lang="ko-KR" altLang="en-US"/>
           </a:p>
@@ -995,7 +995,7 @@
           <a:p>
             <a:fld id="{FB30EDBD-1C2D-4C1E-B459-B60219FAB484}" type="datetimeFigureOut">
               <a:rPr lang="ko-KR" altLang="en-US" smtClean="0"/>
-              <a:t>2020-09-23</a:t>
+              <a:t>2020-09-24</a:t>
             </a:fld>
             <a:endParaRPr lang="ko-KR" altLang="en-US"/>
           </a:p>
@@ -1158,7 +1158,7 @@
           <a:p>
             <a:fld id="{FB30EDBD-1C2D-4C1E-B459-B60219FAB484}" type="datetimeFigureOut">
               <a:rPr lang="ko-KR" altLang="en-US" smtClean="0"/>
-              <a:t>2020-09-23</a:t>
+              <a:t>2020-09-24</a:t>
             </a:fld>
             <a:endParaRPr lang="ko-KR" altLang="en-US"/>
           </a:p>
@@ -1398,7 +1398,7 @@
           <a:p>
             <a:fld id="{FB30EDBD-1C2D-4C1E-B459-B60219FAB484}" type="datetimeFigureOut">
               <a:rPr lang="ko-KR" altLang="en-US" smtClean="0"/>
-              <a:t>2020-09-23</a:t>
+              <a:t>2020-09-24</a:t>
             </a:fld>
             <a:endParaRPr lang="ko-KR" altLang="en-US"/>
           </a:p>
@@ -1678,7 +1678,7 @@
           <a:p>
             <a:fld id="{FB30EDBD-1C2D-4C1E-B459-B60219FAB484}" type="datetimeFigureOut">
               <a:rPr lang="ko-KR" altLang="en-US" smtClean="0"/>
-              <a:t>2020-09-23</a:t>
+              <a:t>2020-09-24</a:t>
             </a:fld>
             <a:endParaRPr lang="ko-KR" altLang="en-US"/>
           </a:p>
@@ -2092,7 +2092,7 @@
           <a:p>
             <a:fld id="{FB30EDBD-1C2D-4C1E-B459-B60219FAB484}" type="datetimeFigureOut">
               <a:rPr lang="ko-KR" altLang="en-US" smtClean="0"/>
-              <a:t>2020-09-23</a:t>
+              <a:t>2020-09-24</a:t>
             </a:fld>
             <a:endParaRPr lang="ko-KR" altLang="en-US"/>
           </a:p>
@@ -2204,7 +2204,7 @@
           <a:p>
             <a:fld id="{FB30EDBD-1C2D-4C1E-B459-B60219FAB484}" type="datetimeFigureOut">
               <a:rPr lang="ko-KR" altLang="en-US" smtClean="0"/>
-              <a:t>2020-09-23</a:t>
+              <a:t>2020-09-24</a:t>
             </a:fld>
             <a:endParaRPr lang="ko-KR" altLang="en-US"/>
           </a:p>
@@ -2294,7 +2294,7 @@
           <a:p>
             <a:fld id="{FB30EDBD-1C2D-4C1E-B459-B60219FAB484}" type="datetimeFigureOut">
               <a:rPr lang="ko-KR" altLang="en-US" smtClean="0"/>
-              <a:t>2020-09-23</a:t>
+              <a:t>2020-09-24</a:t>
             </a:fld>
             <a:endParaRPr lang="ko-KR" altLang="en-US"/>
           </a:p>
@@ -2564,7 +2564,7 @@
           <a:p>
             <a:fld id="{FB30EDBD-1C2D-4C1E-B459-B60219FAB484}" type="datetimeFigureOut">
               <a:rPr lang="ko-KR" altLang="en-US" smtClean="0"/>
-              <a:t>2020-09-23</a:t>
+              <a:t>2020-09-24</a:t>
             </a:fld>
             <a:endParaRPr lang="ko-KR" altLang="en-US"/>
           </a:p>
@@ -2811,7 +2811,7 @@
           <a:p>
             <a:fld id="{FB30EDBD-1C2D-4C1E-B459-B60219FAB484}" type="datetimeFigureOut">
               <a:rPr lang="ko-KR" altLang="en-US" smtClean="0"/>
-              <a:t>2020-09-23</a:t>
+              <a:t>2020-09-24</a:t>
             </a:fld>
             <a:endParaRPr lang="ko-KR" altLang="en-US"/>
           </a:p>
@@ -3017,7 +3017,7 @@
           <a:p>
             <a:fld id="{FB30EDBD-1C2D-4C1E-B459-B60219FAB484}" type="datetimeFigureOut">
               <a:rPr lang="ko-KR" altLang="en-US" smtClean="0"/>
-              <a:t>2020-09-23</a:t>
+              <a:t>2020-09-24</a:t>
             </a:fld>
             <a:endParaRPr lang="ko-KR" altLang="en-US"/>
           </a:p>
@@ -3448,131 +3448,110 @@
           </a:p>
         </p:txBody>
       </p:sp>
-      <p:grpSp>
-        <p:nvGrpSpPr>
-          <p:cNvPr id="55" name="그룹 54">
+      <p:sp>
+        <p:nvSpPr>
+          <p:cNvPr id="47" name="사각형: 둥근 모서리 46">
             <a:extLst>
               <a:ext uri="{FF2B5EF4-FFF2-40B4-BE49-F238E27FC236}">
-                <a16:creationId xmlns:a16="http://schemas.microsoft.com/office/drawing/2014/main" id="{8BD6ADB2-4FC3-4AFC-BC62-505C6FB303BE}"/>
+                <a16:creationId xmlns:a16="http://schemas.microsoft.com/office/drawing/2014/main" id="{1D72265D-3716-4CA6-9E4F-2FDC3EDBDEDF}"/>
               </a:ext>
             </a:extLst>
           </p:cNvPr>
-          <p:cNvGrpSpPr/>
+          <p:cNvSpPr/>
           <p:nvPr/>
-        </p:nvGrpSpPr>
-        <p:grpSpPr>
+        </p:nvSpPr>
+        <p:spPr>
           <a:xfrm>
             <a:off x="2107877" y="1162792"/>
             <a:ext cx="1603346" cy="832894"/>
-            <a:chOff x="2228748" y="1923678"/>
-            <a:chExt cx="1603346" cy="832894"/>
-          </a:xfrm>
-        </p:grpSpPr>
-        <p:sp>
-          <p:nvSpPr>
-            <p:cNvPr id="47" name="사각형: 둥근 모서리 46">
-              <a:extLst>
-                <a:ext uri="{FF2B5EF4-FFF2-40B4-BE49-F238E27FC236}">
-                  <a16:creationId xmlns:a16="http://schemas.microsoft.com/office/drawing/2014/main" id="{1D72265D-3716-4CA6-9E4F-2FDC3EDBDEDF}"/>
-                </a:ext>
-              </a:extLst>
-            </p:cNvPr>
-            <p:cNvSpPr/>
-            <p:nvPr/>
-          </p:nvSpPr>
-          <p:spPr>
-            <a:xfrm>
-              <a:off x="2228748" y="1923678"/>
-              <a:ext cx="1603346" cy="832894"/>
-            </a:xfrm>
-            <a:prstGeom prst="roundRect">
-              <a:avLst>
-                <a:gd name="adj" fmla="val 8959"/>
-              </a:avLst>
-            </a:prstGeom>
-          </p:spPr>
-          <p:style>
-            <a:lnRef idx="2">
-              <a:schemeClr val="dk1"/>
-            </a:lnRef>
-            <a:fillRef idx="1">
-              <a:schemeClr val="lt1"/>
-            </a:fillRef>
-            <a:effectRef idx="0">
-              <a:schemeClr val="dk1"/>
-            </a:effectRef>
-            <a:fontRef idx="minor">
-              <a:schemeClr val="dk1"/>
-            </a:fontRef>
-          </p:style>
-          <p:txBody>
-            <a:bodyPr rtlCol="0" anchor="t"/>
-            <a:lstStyle/>
-            <a:p>
-              <a:pPr algn="ctr"/>
-              <a:r>
-                <a:rPr lang="en-US" altLang="ko-KR" sz="1600" b="1"/>
-                <a:t>Master Node</a:t>
-              </a:r>
-              <a:endParaRPr lang="ko-KR" altLang="en-US" sz="1600" b="1"/>
-            </a:p>
-          </p:txBody>
-        </p:sp>
-        <p:sp>
-          <p:nvSpPr>
-            <p:cNvPr id="54" name="사각형: 둥근 모서리 53">
-              <a:extLst>
-                <a:ext uri="{FF2B5EF4-FFF2-40B4-BE49-F238E27FC236}">
-                  <a16:creationId xmlns:a16="http://schemas.microsoft.com/office/drawing/2014/main" id="{CBFBD54E-577A-4E12-B1EA-CA94261F39D0}"/>
-                </a:ext>
-              </a:extLst>
-            </p:cNvPr>
-            <p:cNvSpPr/>
-            <p:nvPr/>
-          </p:nvSpPr>
-          <p:spPr>
-            <a:xfrm>
-              <a:off x="2382679" y="2283718"/>
-              <a:ext cx="1295484" cy="379509"/>
-            </a:xfrm>
-            <a:prstGeom prst="roundRect">
-              <a:avLst>
-                <a:gd name="adj" fmla="val 9318"/>
-              </a:avLst>
-            </a:prstGeom>
-            <a:ln>
-              <a:solidFill>
-                <a:schemeClr val="tx1"/>
-              </a:solidFill>
-            </a:ln>
-          </p:spPr>
-          <p:style>
-            <a:lnRef idx="2">
-              <a:schemeClr val="dk1"/>
-            </a:lnRef>
-            <a:fillRef idx="1">
-              <a:schemeClr val="lt1"/>
-            </a:fillRef>
-            <a:effectRef idx="0">
-              <a:schemeClr val="dk1"/>
-            </a:effectRef>
-            <a:fontRef idx="minor">
-              <a:schemeClr val="dk1"/>
-            </a:fontRef>
-          </p:style>
-          <p:txBody>
-            <a:bodyPr rtlCol="0" anchor="ctr"/>
-            <a:lstStyle/>
-            <a:p>
-              <a:pPr algn="ctr"/>
-              <a:r>
-                <a:rPr lang="en-US" altLang="ko-KR" sz="1200"/>
-                <a:t>K8s API Server</a:t>
-              </a:r>
-            </a:p>
-          </p:txBody>
-        </p:sp>
-      </p:grpSp>
+          </a:xfrm>
+          <a:prstGeom prst="roundRect">
+            <a:avLst>
+              <a:gd name="adj" fmla="val 8959"/>
+            </a:avLst>
+          </a:prstGeom>
+        </p:spPr>
+        <p:style>
+          <a:lnRef idx="2">
+            <a:schemeClr val="dk1"/>
+          </a:lnRef>
+          <a:fillRef idx="1">
+            <a:schemeClr val="lt1"/>
+          </a:fillRef>
+          <a:effectRef idx="0">
+            <a:schemeClr val="dk1"/>
+          </a:effectRef>
+          <a:fontRef idx="minor">
+            <a:schemeClr val="dk1"/>
+          </a:fontRef>
+        </p:style>
+        <p:txBody>
+          <a:bodyPr rtlCol="0" anchor="t"/>
+          <a:lstStyle/>
+          <a:p>
+            <a:pPr algn="ctr"/>
+            <a:r>
+              <a:rPr lang="en-US" altLang="ko-KR" sz="1400" b="1"/>
+              <a:t>Master Node</a:t>
+            </a:r>
+            <a:endParaRPr lang="ko-KR" altLang="en-US" sz="1400" b="1"/>
+          </a:p>
+        </p:txBody>
+      </p:sp>
+      <p:sp>
+        <p:nvSpPr>
+          <p:cNvPr id="54" name="사각형: 둥근 모서리 53">
+            <a:extLst>
+              <a:ext uri="{FF2B5EF4-FFF2-40B4-BE49-F238E27FC236}">
+                <a16:creationId xmlns:a16="http://schemas.microsoft.com/office/drawing/2014/main" id="{CBFBD54E-577A-4E12-B1EA-CA94261F39D0}"/>
+              </a:ext>
+            </a:extLst>
+          </p:cNvPr>
+          <p:cNvSpPr/>
+          <p:nvPr/>
+        </p:nvSpPr>
+        <p:spPr>
+          <a:xfrm>
+            <a:off x="2261808" y="1522832"/>
+            <a:ext cx="1295484" cy="379509"/>
+          </a:xfrm>
+          <a:prstGeom prst="roundRect">
+            <a:avLst>
+              <a:gd name="adj" fmla="val 9318"/>
+            </a:avLst>
+          </a:prstGeom>
+          <a:ln>
+            <a:solidFill>
+              <a:schemeClr val="tx1"/>
+            </a:solidFill>
+          </a:ln>
+        </p:spPr>
+        <p:style>
+          <a:lnRef idx="2">
+            <a:schemeClr val="dk1"/>
+          </a:lnRef>
+          <a:fillRef idx="1">
+            <a:schemeClr val="lt1"/>
+          </a:fillRef>
+          <a:effectRef idx="0">
+            <a:schemeClr val="dk1"/>
+          </a:effectRef>
+          <a:fontRef idx="minor">
+            <a:schemeClr val="dk1"/>
+          </a:fontRef>
+        </p:style>
+        <p:txBody>
+          <a:bodyPr rtlCol="0" anchor="ctr"/>
+          <a:lstStyle/>
+          <a:p>
+            <a:pPr algn="ctr"/>
+            <a:r>
+              <a:rPr lang="en-US" altLang="ko-KR" sz="1200"/>
+              <a:t>K8s API Server</a:t>
+            </a:r>
+          </a:p>
+        </p:txBody>
+      </p:sp>
       <p:sp>
         <p:nvSpPr>
           <p:cNvPr id="67" name="TextBox 66">
@@ -3663,10 +3642,10 @@
           <a:p>
             <a:pPr algn="ctr"/>
             <a:r>
-              <a:rPr lang="en-US" altLang="ko-KR" sz="1600" b="1"/>
+              <a:rPr lang="en-US" altLang="ko-KR" sz="1400" b="1"/>
               <a:t>Worker Node A</a:t>
             </a:r>
-            <a:endParaRPr lang="ko-KR" altLang="en-US" sz="1600" b="1"/>
+            <a:endParaRPr lang="ko-KR" altLang="en-US" sz="1400" b="1"/>
           </a:p>
         </p:txBody>
       </p:sp>
@@ -4117,10 +4096,10 @@
           <a:p>
             <a:pPr algn="ctr"/>
             <a:r>
-              <a:rPr lang="en-US" altLang="ko-KR" sz="1600" b="1"/>
+              <a:rPr lang="en-US" altLang="ko-KR" sz="1400" b="1"/>
               <a:t>Worker Node B</a:t>
             </a:r>
-            <a:endParaRPr lang="ko-KR" altLang="en-US" sz="1600" b="1"/>
+            <a:endParaRPr lang="ko-KR" altLang="en-US" sz="1400" b="1"/>
           </a:p>
         </p:txBody>
       </p:sp>
